--- a/_site/slides/week01/lab.pptx
+++ b/_site/slides/week01/lab.pptx
@@ -304,7 +304,7 @@
             <a:fld id="{241EB5C9-1307-BA42-ABA2-0BC069CD8E7F}" type="datetimeFigureOut">
               <a:rPr lang="en-US" smtClean="0"/>
               <a:pPr/>
-              <a:t>9/30/22</a:t>
+              <a:t>9/24/23</a:t>
             </a:fld>
             <a:endParaRPr lang="en-US" dirty="0"/>
           </a:p>
@@ -397,10 +397,10 @@
       </p:sp>
       <p:pic>
         <p:nvPicPr>
-          <p:cNvPr id="7" name="Picture 6" descr="A picture containing text, primate, monitor, indoor&#10;&#10;Description automatically generated">
-            <a:extLst>
-              <a:ext uri="{FF2B5EF4-FFF2-40B4-BE49-F238E27FC236}">
-                <a16:creationId xmlns:a16="http://schemas.microsoft.com/office/drawing/2014/main" id="{B6FBD17D-F718-95C1-DDB9-BB5B65FE2BD9}"/>
+          <p:cNvPr id="9" name="Picture 8" descr="A cartoon monkey holding a magnifying glass&#10;&#10;Description automatically generated">
+            <a:extLst>
+              <a:ext uri="{FF2B5EF4-FFF2-40B4-BE49-F238E27FC236}">
+                <a16:creationId xmlns:a16="http://schemas.microsoft.com/office/drawing/2014/main" id="{E0280DB6-DDF3-4C1F-AC17-984168E43E44}"/>
               </a:ext>
             </a:extLst>
           </p:cNvPr>
@@ -417,8 +417,8 @@
         </p:blipFill>
         <p:spPr>
           <a:xfrm>
-            <a:off x="10913450" y="151609"/>
-            <a:ext cx="1063580" cy="1220148"/>
+            <a:off x="10668000" y="77267"/>
+            <a:ext cx="1524000" cy="1524000"/>
           </a:xfrm>
           <a:prstGeom prst="rect">
             <a:avLst/>
@@ -647,7 +647,7 @@
             <a:fld id="{241EB5C9-1307-BA42-ABA2-0BC069CD8E7F}" type="datetimeFigureOut">
               <a:rPr lang="en-US" smtClean="0"/>
               <a:pPr/>
-              <a:t>9/30/22</a:t>
+              <a:t>9/24/23</a:t>
             </a:fld>
             <a:endParaRPr lang="en-US"/>
           </a:p>
@@ -965,7 +965,7 @@
             <a:fld id="{241EB5C9-1307-BA42-ABA2-0BC069CD8E7F}" type="datetimeFigureOut">
               <a:rPr lang="en-US" smtClean="0"/>
               <a:pPr/>
-              <a:t>9/30/22</a:t>
+              <a:t>9/24/23</a:t>
             </a:fld>
             <a:endParaRPr lang="en-US"/>
           </a:p>
@@ -1281,7 +1281,7 @@
           <a:p>
             <a:fld id="{241EB5C9-1307-BA42-ABA2-0BC069CD8E7F}" type="datetimeFigureOut">
               <a:rPr lang="en-US" smtClean="0"/>
-              <a:t>9/30/22</a:t>
+              <a:t>9/24/23</a:t>
             </a:fld>
             <a:endParaRPr lang="en-US"/>
           </a:p>
@@ -1351,7 +1351,7 @@
       </p:sp>
       <p:pic>
         <p:nvPicPr>
-          <p:cNvPr id="7" name="Picture 6" descr="A picture containing text, primate, monitor, indoor&#10;&#10;Description automatically generated">
+          <p:cNvPr id="7" name="Picture 6">
             <a:extLst>
               <a:ext uri="{FF2B5EF4-FFF2-40B4-BE49-F238E27FC236}">
                 <a16:creationId xmlns:a16="http://schemas.microsoft.com/office/drawing/2014/main" id="{F4EFD39C-D04F-D648-B6B2-07092A492153}"/>
@@ -1365,14 +1365,13 @@
         </p:nvPicPr>
         <p:blipFill>
           <a:blip r:embed="rId2"/>
-          <a:stretch>
-            <a:fillRect/>
-          </a:stretch>
+          <a:srcRect/>
+          <a:stretch/>
         </p:blipFill>
         <p:spPr>
           <a:xfrm>
-            <a:off x="10964250" y="158272"/>
-            <a:ext cx="1063580" cy="1220148"/>
+            <a:off x="10964250" y="236556"/>
+            <a:ext cx="1063580" cy="1063580"/>
           </a:xfrm>
           <a:prstGeom prst="rect">
             <a:avLst/>
@@ -1628,7 +1627,7 @@
             <a:fld id="{241EB5C9-1307-BA42-ABA2-0BC069CD8E7F}" type="datetimeFigureOut">
               <a:rPr lang="en-US" smtClean="0"/>
               <a:pPr/>
-              <a:t>9/30/22</a:t>
+              <a:t>9/24/23</a:t>
             </a:fld>
             <a:endParaRPr lang="en-US"/>
           </a:p>
@@ -1821,7 +1820,7 @@
           <a:p>
             <a:fld id="{241EB5C9-1307-BA42-ABA2-0BC069CD8E7F}" type="datetimeFigureOut">
               <a:rPr lang="en-US" smtClean="0"/>
-              <a:t>9/30/22</a:t>
+              <a:t>9/24/23</a:t>
             </a:fld>
             <a:endParaRPr lang="en-US"/>
           </a:p>
@@ -1891,7 +1890,7 @@
       </p:sp>
       <p:pic>
         <p:nvPicPr>
-          <p:cNvPr id="3" name="Picture 2" descr="A picture containing text, primate, monitor, indoor&#10;&#10;Description automatically generated">
+          <p:cNvPr id="3" name="Picture 2">
             <a:extLst>
               <a:ext uri="{FF2B5EF4-FFF2-40B4-BE49-F238E27FC236}">
                 <a16:creationId xmlns:a16="http://schemas.microsoft.com/office/drawing/2014/main" id="{A8EB6A88-2E41-552F-6E71-A9DFA92F0663}"/>
@@ -1905,14 +1904,13 @@
         </p:nvPicPr>
         <p:blipFill>
           <a:blip r:embed="rId2"/>
-          <a:stretch>
-            <a:fillRect/>
-          </a:stretch>
+          <a:srcRect/>
+          <a:stretch/>
         </p:blipFill>
         <p:spPr>
           <a:xfrm>
-            <a:off x="10994730" y="131289"/>
-            <a:ext cx="1063580" cy="1220148"/>
+            <a:off x="10994730" y="209573"/>
+            <a:ext cx="1063580" cy="1063580"/>
           </a:xfrm>
           <a:prstGeom prst="rect">
             <a:avLst/>
@@ -2340,7 +2338,7 @@
             <a:fld id="{241EB5C9-1307-BA42-ABA2-0BC069CD8E7F}" type="datetimeFigureOut">
               <a:rPr lang="en-US" smtClean="0"/>
               <a:pPr/>
-              <a:t>9/30/22</a:t>
+              <a:t>9/24/23</a:t>
             </a:fld>
             <a:endParaRPr lang="en-US"/>
           </a:p>
@@ -2993,7 +2991,7 @@
             <a:fld id="{241EB5C9-1307-BA42-ABA2-0BC069CD8E7F}" type="datetimeFigureOut">
               <a:rPr lang="en-US" smtClean="0"/>
               <a:pPr/>
-              <a:t>9/30/22</a:t>
+              <a:t>9/24/23</a:t>
             </a:fld>
             <a:endParaRPr lang="en-US"/>
           </a:p>
@@ -3197,7 +3195,7 @@
             <a:fld id="{241EB5C9-1307-BA42-ABA2-0BC069CD8E7F}" type="datetimeFigureOut">
               <a:rPr lang="en-US" smtClean="0"/>
               <a:pPr/>
-              <a:t>9/30/22</a:t>
+              <a:t>9/24/23</a:t>
             </a:fld>
             <a:endParaRPr lang="en-US"/>
           </a:p>
@@ -3290,7 +3288,7 @@
       </p:sp>
       <p:pic>
         <p:nvPicPr>
-          <p:cNvPr id="6" name="Picture 5" descr="A picture containing text, primate, monitor, indoor&#10;&#10;Description automatically generated">
+          <p:cNvPr id="6" name="Picture 5">
             <a:extLst>
               <a:ext uri="{FF2B5EF4-FFF2-40B4-BE49-F238E27FC236}">
                 <a16:creationId xmlns:a16="http://schemas.microsoft.com/office/drawing/2014/main" id="{0D355E77-5B2E-A2EF-706B-9C4916EA9A9E}"/>
@@ -3304,14 +3302,13 @@
         </p:nvPicPr>
         <p:blipFill>
           <a:blip r:embed="rId2"/>
-          <a:stretch>
-            <a:fillRect/>
-          </a:stretch>
+          <a:srcRect/>
+          <a:stretch/>
         </p:blipFill>
         <p:spPr>
           <a:xfrm>
-            <a:off x="10994730" y="161769"/>
-            <a:ext cx="1063580" cy="1220148"/>
+            <a:off x="10994730" y="240053"/>
+            <a:ext cx="1063580" cy="1063580"/>
           </a:xfrm>
           <a:prstGeom prst="rect">
             <a:avLst/>
@@ -3371,7 +3368,7 @@
           <a:p>
             <a:fld id="{241EB5C9-1307-BA42-ABA2-0BC069CD8E7F}" type="datetimeFigureOut">
               <a:rPr lang="en-US" smtClean="0"/>
-              <a:t>9/30/22</a:t>
+              <a:t>9/24/23</a:t>
             </a:fld>
             <a:endParaRPr lang="en-US"/>
           </a:p>
@@ -3790,7 +3787,7 @@
             <a:fld id="{241EB5C9-1307-BA42-ABA2-0BC069CD8E7F}" type="datetimeFigureOut">
               <a:rPr lang="en-US" smtClean="0"/>
               <a:pPr/>
-              <a:t>9/30/22</a:t>
+              <a:t>9/24/23</a:t>
             </a:fld>
             <a:endParaRPr lang="en-US"/>
           </a:p>
@@ -4154,7 +4151,7 @@
             <a:fld id="{241EB5C9-1307-BA42-ABA2-0BC069CD8E7F}" type="datetimeFigureOut">
               <a:rPr lang="en-US" smtClean="0"/>
               <a:pPr/>
-              <a:t>9/30/22</a:t>
+              <a:t>9/24/23</a:t>
             </a:fld>
             <a:endParaRPr lang="en-US"/>
           </a:p>
@@ -4398,7 +4395,7 @@
             <a:fld id="{241EB5C9-1307-BA42-ABA2-0BC069CD8E7F}" type="datetimeFigureOut">
               <a:rPr lang="en-US" smtClean="0"/>
               <a:pPr/>
-              <a:t>9/30/22</a:t>
+              <a:t>9/24/23</a:t>
             </a:fld>
             <a:endParaRPr lang="en-US"/>
           </a:p>

--- a/_site/slides/week01/lab.pptx
+++ b/_site/slides/week01/lab.pptx
@@ -11,6 +11,17 @@
     <p:sldId id="259" r:id="rId5"/>
     <p:sldId id="260" r:id="rId6"/>
     <p:sldId id="261" r:id="rId7"/>
+    <p:sldId id="262" r:id="rId8"/>
+    <p:sldId id="263" r:id="rId9"/>
+    <p:sldId id="264" r:id="rId10"/>
+    <p:sldId id="265" r:id="rId11"/>
+    <p:sldId id="266" r:id="rId12"/>
+    <p:sldId id="267" r:id="rId13"/>
+    <p:sldId id="268" r:id="rId14"/>
+    <p:sldId id="269" r:id="rId15"/>
+    <p:sldId id="270" r:id="rId16"/>
+    <p:sldId id="271" r:id="rId17"/>
+    <p:sldId id="272" r:id="rId18"/>
   </p:sldIdLst>
   <p:sldSz cx="12192000" cy="6858000"/>
   <p:notesSz cx="6858000" cy="9144000"/>
@@ -4891,7 +4902,7 @@
             </a:pPr>
             <a:r>
               <a:rPr/>
-              <a:t>Lab 01:  Replace it!</a:t>
+              <a:t>Lab 01:  Group formation and Topic Brainstorm!</a:t>
             </a:r>
           </a:p>
         </p:txBody>
@@ -4927,7 +4938,7 @@
             </a:pPr>
             <a:r>
               <a:rPr/>
-              <a:t>This is a meaningful subtitle</a:t>
+              <a:t>Let’s jump right in</a:t>
             </a:r>
             <a:br/>
             <a:br/>
@@ -4965,6 +4976,755 @@
             <a:r>
               <a:rPr/>
               <a:t>October 2, 2023</a:t>
+            </a:r>
+          </a:p>
+        </p:txBody>
+      </p:sp>
+    </p:spTree>
+  </p:cSld>
+</p:sld>
+</file>
+
+<file path=ppt/slides/slide10.xml><?xml version="1.0" encoding="utf-8"?>
+<p:sld xmlns:a="http://schemas.openxmlformats.org/drawingml/2006/main" xmlns:r="http://schemas.openxmlformats.org/officeDocument/2006/relationships" xmlns:p="http://schemas.openxmlformats.org/presentationml/2006/main">
+  <p:cSld>
+    <p:spTree>
+      <p:nvGrpSpPr>
+        <p:cNvPr id="1" name=""/>
+        <p:cNvGrpSpPr/>
+        <p:nvPr/>
+      </p:nvGrpSpPr>
+      <p:grpSpPr>
+        <a:xfrm>
+          <a:off x="0" y="0"/>
+          <a:ext cx="0" cy="0"/>
+          <a:chOff x="0" y="0"/>
+          <a:chExt cx="0" cy="0"/>
+        </a:xfrm>
+      </p:grpSpPr>
+      <p:sp>
+        <p:nvSpPr>
+          <p:cNvPr id="2" name="Title 1">
+            <a:extLst>
+              <a:ext uri="{FF2B5EF4-FFF2-40B4-BE49-F238E27FC236}">
+                <a16:creationId xmlns:a16="http://schemas.microsoft.com/office/drawing/2014/main" id="{DD9B8E45-0772-954C-8D4B-6E6808DFEDED}"/>
+              </a:ext>
+            </a:extLst>
+          </p:cNvPr>
+          <p:cNvSpPr>
+            <a:spLocks noGrp="1"/>
+          </p:cNvSpPr>
+          <p:nvPr>
+            <p:ph type="title"/>
+          </p:nvPr>
+        </p:nvSpPr>
+        <p:spPr>
+          <a:xfrm>
+            <a:off x="838200" y="365129"/>
+            <a:ext cx="10002520" cy="1325563"/>
+          </a:xfrm>
+          <a:prstGeom prst="rect">
+            <a:avLst/>
+          </a:prstGeom>
+        </p:spPr>
+        <p:txBody>
+          <a:bodyPr/>
+          <a:lstStyle/>
+          <a:p>
+            <a:pPr lvl="0" indent="0" marL="0">
+              <a:buNone/>
+            </a:pPr>
+            <a:r>
+              <a:rPr/>
+              <a:t>Activities for today.</a:t>
+            </a:r>
+          </a:p>
+        </p:txBody>
+      </p:sp>
+      <p:sp>
+        <p:nvSpPr>
+          <p:cNvPr id="3" name="Content Placeholder 2">
+            <a:extLst>
+              <a:ext uri="{FF2B5EF4-FFF2-40B4-BE49-F238E27FC236}">
+                <a16:creationId xmlns:a16="http://schemas.microsoft.com/office/drawing/2014/main" id="{A4EB24F9-04F1-C843-9D71-56C5C024552B}"/>
+              </a:ext>
+            </a:extLst>
+          </p:cNvPr>
+          <p:cNvSpPr>
+            <a:spLocks noGrp="1"/>
+          </p:cNvSpPr>
+          <p:nvPr>
+            <p:ph idx="1"/>
+          </p:nvPr>
+        </p:nvSpPr>
+        <p:spPr/>
+        <p:txBody>
+          <a:bodyPr/>
+          <a:lstStyle/>
+          <a:p>
+            <a:pPr lvl="0" indent="0" marL="0">
+              <a:buNone/>
+            </a:pPr>
+            <a:r>
+              <a:rPr/>
+              <a:t>These labs are driven by you. The only things that will EVER be compulsory are short administrative tasks on a roughly fortnightly basis (group progress update) and the next activity. Otherwise you can use the time as you see fit either alone or in your group, but we know that there is wisdom in the crowd for coming up with topic ideas, identifying cool research ideas and setting the tone for the year ahead.</a:t>
+            </a:r>
+          </a:p>
+        </p:txBody>
+      </p:sp>
+    </p:spTree>
+  </p:cSld>
+</p:sld>
+</file>
+
+<file path=ppt/slides/slide11.xml><?xml version="1.0" encoding="utf-8"?>
+<p:sld xmlns:a="http://schemas.openxmlformats.org/drawingml/2006/main" xmlns:r="http://schemas.openxmlformats.org/officeDocument/2006/relationships" xmlns:p="http://schemas.openxmlformats.org/presentationml/2006/main">
+  <p:cSld>
+    <p:spTree>
+      <p:nvGrpSpPr>
+        <p:cNvPr id="1" name=""/>
+        <p:cNvGrpSpPr/>
+        <p:nvPr/>
+      </p:nvGrpSpPr>
+      <p:grpSpPr>
+        <a:xfrm>
+          <a:off x="0" y="0"/>
+          <a:ext cx="0" cy="0"/>
+          <a:chOff x="0" y="0"/>
+          <a:chExt cx="0" cy="0"/>
+        </a:xfrm>
+      </p:grpSpPr>
+      <p:sp>
+        <p:nvSpPr>
+          <p:cNvPr id="2" name="Title 1">
+            <a:extLst>
+              <a:ext uri="{FF2B5EF4-FFF2-40B4-BE49-F238E27FC236}">
+                <a16:creationId xmlns:a16="http://schemas.microsoft.com/office/drawing/2014/main" id="{DD9B8E45-0772-954C-8D4B-6E6808DFEDED}"/>
+              </a:ext>
+            </a:extLst>
+          </p:cNvPr>
+          <p:cNvSpPr>
+            <a:spLocks noGrp="1"/>
+          </p:cNvSpPr>
+          <p:nvPr>
+            <p:ph type="title"/>
+          </p:nvPr>
+        </p:nvSpPr>
+        <p:spPr>
+          <a:xfrm>
+            <a:off x="838200" y="365129"/>
+            <a:ext cx="10002520" cy="1325563"/>
+          </a:xfrm>
+          <a:prstGeom prst="rect">
+            <a:avLst/>
+          </a:prstGeom>
+        </p:spPr>
+        <p:txBody>
+          <a:bodyPr/>
+          <a:lstStyle/>
+          <a:p>
+            <a:pPr lvl="0" indent="0" marL="0">
+              <a:buNone/>
+            </a:pPr>
+            <a:r>
+              <a:rPr/>
+              <a:t>Let’s get going.</a:t>
+            </a:r>
+          </a:p>
+        </p:txBody>
+      </p:sp>
+      <p:sp>
+        <p:nvSpPr>
+          <p:cNvPr id="3" name="Content Placeholder 2">
+            <a:extLst>
+              <a:ext uri="{FF2B5EF4-FFF2-40B4-BE49-F238E27FC236}">
+                <a16:creationId xmlns:a16="http://schemas.microsoft.com/office/drawing/2014/main" id="{A4EB24F9-04F1-C843-9D71-56C5C024552B}"/>
+              </a:ext>
+            </a:extLst>
+          </p:cNvPr>
+          <p:cNvSpPr>
+            <a:spLocks noGrp="1"/>
+          </p:cNvSpPr>
+          <p:nvPr>
+            <p:ph idx="1"/>
+          </p:nvPr>
+        </p:nvSpPr>
+        <p:spPr/>
+        <p:txBody>
+          <a:bodyPr/>
+          <a:lstStyle/>
+          <a:p>
+            <a:pPr lvl="0"/>
+            <a:r>
+              <a:rPr/>
+              <a:t>Lab Challenge! [15 mins]</a:t>
+            </a:r>
+          </a:p>
+          <a:p>
+            <a:pPr lvl="0"/>
+            <a:r>
+              <a:rPr/>
+              <a:t>Research Skill Audit</a:t>
+            </a:r>
+          </a:p>
+          <a:p>
+            <a:pPr lvl="0"/>
+            <a:r>
+              <a:rPr/>
+              <a:t>Topic Speed Dating</a:t>
+            </a:r>
+          </a:p>
+          <a:p>
+            <a:pPr lvl="0"/>
+            <a:r>
+              <a:rPr/>
+              <a:t>Methods Matching</a:t>
+            </a:r>
+          </a:p>
+          <a:p>
+            <a:pPr lvl="0"/>
+            <a:r>
+              <a:rPr/>
+              <a:t>Goal Alignment and Group Ethos</a:t>
+            </a:r>
+          </a:p>
+        </p:txBody>
+      </p:sp>
+    </p:spTree>
+  </p:cSld>
+</p:sld>
+</file>
+
+<file path=ppt/slides/slide12.xml><?xml version="1.0" encoding="utf-8"?>
+<p:sld xmlns:a="http://schemas.openxmlformats.org/drawingml/2006/main" xmlns:r="http://schemas.openxmlformats.org/officeDocument/2006/relationships" xmlns:p="http://schemas.openxmlformats.org/presentationml/2006/main">
+  <p:cSld>
+    <p:spTree>
+      <p:nvGrpSpPr>
+        <p:cNvPr id="1" name=""/>
+        <p:cNvGrpSpPr/>
+        <p:nvPr/>
+      </p:nvGrpSpPr>
+      <p:grpSpPr>
+        <a:xfrm>
+          <a:off x="0" y="0"/>
+          <a:ext cx="0" cy="0"/>
+          <a:chOff x="0" y="0"/>
+          <a:chExt cx="0" cy="0"/>
+        </a:xfrm>
+      </p:grpSpPr>
+      <p:sp>
+        <p:nvSpPr>
+          <p:cNvPr id="2" name="Title 1">
+            <a:extLst>
+              <a:ext uri="{FF2B5EF4-FFF2-40B4-BE49-F238E27FC236}">
+                <a16:creationId xmlns:a16="http://schemas.microsoft.com/office/drawing/2014/main" id="{DD9B8E45-0772-954C-8D4B-6E6808DFEDED}"/>
+              </a:ext>
+            </a:extLst>
+          </p:cNvPr>
+          <p:cNvSpPr>
+            <a:spLocks noGrp="1"/>
+          </p:cNvSpPr>
+          <p:nvPr>
+            <p:ph type="title"/>
+          </p:nvPr>
+        </p:nvSpPr>
+        <p:spPr>
+          <a:xfrm>
+            <a:off x="838200" y="365129"/>
+            <a:ext cx="10002520" cy="1325563"/>
+          </a:xfrm>
+          <a:prstGeom prst="rect">
+            <a:avLst/>
+          </a:prstGeom>
+        </p:spPr>
+        <p:txBody>
+          <a:bodyPr/>
+          <a:lstStyle/>
+          <a:p>
+            <a:pPr lvl="0" indent="0" marL="0">
+              <a:buNone/>
+            </a:pPr>
+            <a:r>
+              <a:rPr/>
+              <a:t>Lab Challenge</a:t>
+            </a:r>
+          </a:p>
+        </p:txBody>
+      </p:sp>
+      <p:sp>
+        <p:nvSpPr>
+          <p:cNvPr id="3" name="Content Placeholder 2">
+            <a:extLst>
+              <a:ext uri="{FF2B5EF4-FFF2-40B4-BE49-F238E27FC236}">
+                <a16:creationId xmlns:a16="http://schemas.microsoft.com/office/drawing/2014/main" id="{A4EB24F9-04F1-C843-9D71-56C5C024552B}"/>
+              </a:ext>
+            </a:extLst>
+          </p:cNvPr>
+          <p:cNvSpPr>
+            <a:spLocks noGrp="1"/>
+          </p:cNvSpPr>
+          <p:nvPr>
+            <p:ph idx="1"/>
+          </p:nvPr>
+        </p:nvSpPr>
+        <p:spPr/>
+        <p:txBody>
+          <a:bodyPr/>
+          <a:lstStyle/>
+          <a:p>
+            <a:pPr lvl="0" indent="0" marL="0">
+              <a:buNone/>
+            </a:pPr>
+            <a:r>
+              <a:rPr/>
+              <a:t>To be introduced by the Lab Tutor. hehe!</a:t>
+            </a:r>
+          </a:p>
+        </p:txBody>
+      </p:sp>
+    </p:spTree>
+  </p:cSld>
+</p:sld>
+</file>
+
+<file path=ppt/slides/slide13.xml><?xml version="1.0" encoding="utf-8"?>
+<p:sld xmlns:a="http://schemas.openxmlformats.org/drawingml/2006/main" xmlns:r="http://schemas.openxmlformats.org/officeDocument/2006/relationships" xmlns:p="http://schemas.openxmlformats.org/presentationml/2006/main">
+  <p:cSld>
+    <p:spTree>
+      <p:nvGrpSpPr>
+        <p:cNvPr id="1" name=""/>
+        <p:cNvGrpSpPr/>
+        <p:nvPr/>
+      </p:nvGrpSpPr>
+      <p:grpSpPr>
+        <a:xfrm>
+          <a:off x="0" y="0"/>
+          <a:ext cx="0" cy="0"/>
+          <a:chOff x="0" y="0"/>
+          <a:chExt cx="0" cy="0"/>
+        </a:xfrm>
+      </p:grpSpPr>
+      <p:sp>
+        <p:nvSpPr>
+          <p:cNvPr id="2" name="Title 1">
+            <a:extLst>
+              <a:ext uri="{FF2B5EF4-FFF2-40B4-BE49-F238E27FC236}">
+                <a16:creationId xmlns:a16="http://schemas.microsoft.com/office/drawing/2014/main" id="{DD9B8E45-0772-954C-8D4B-6E6808DFEDED}"/>
+              </a:ext>
+            </a:extLst>
+          </p:cNvPr>
+          <p:cNvSpPr>
+            <a:spLocks noGrp="1"/>
+          </p:cNvSpPr>
+          <p:nvPr>
+            <p:ph type="title"/>
+          </p:nvPr>
+        </p:nvSpPr>
+        <p:spPr>
+          <a:xfrm>
+            <a:off x="838200" y="365129"/>
+            <a:ext cx="10002520" cy="1325563"/>
+          </a:xfrm>
+          <a:prstGeom prst="rect">
+            <a:avLst/>
+          </a:prstGeom>
+        </p:spPr>
+        <p:txBody>
+          <a:bodyPr/>
+          <a:lstStyle/>
+          <a:p>
+            <a:pPr lvl="0" indent="0" marL="0">
+              <a:buNone/>
+            </a:pPr>
+            <a:r>
+              <a:rPr/>
+              <a:t>Research Skill Audit</a:t>
+            </a:r>
+          </a:p>
+        </p:txBody>
+      </p:sp>
+      <p:sp>
+        <p:nvSpPr>
+          <p:cNvPr id="3" name="Content Placeholder 2">
+            <a:extLst>
+              <a:ext uri="{FF2B5EF4-FFF2-40B4-BE49-F238E27FC236}">
+                <a16:creationId xmlns:a16="http://schemas.microsoft.com/office/drawing/2014/main" id="{A4EB24F9-04F1-C843-9D71-56C5C024552B}"/>
+              </a:ext>
+            </a:extLst>
+          </p:cNvPr>
+          <p:cNvSpPr>
+            <a:spLocks noGrp="1"/>
+          </p:cNvSpPr>
+          <p:nvPr>
+            <p:ph idx="1"/>
+          </p:nvPr>
+        </p:nvSpPr>
+        <p:spPr/>
+        <p:txBody>
+          <a:bodyPr/>
+          <a:lstStyle/>
+          <a:p>
+            <a:pPr lvl="0" indent="0" marL="0">
+              <a:buNone/>
+            </a:pPr>
+            <a:r>
+              <a:rPr/>
+              <a:t>By assessing your current confidence level, you will be able to think strategically about the 20 weeks ahead.</a:t>
+            </a:r>
+          </a:p>
+        </p:txBody>
+      </p:sp>
+    </p:spTree>
+  </p:cSld>
+</p:sld>
+</file>
+
+<file path=ppt/slides/slide14.xml><?xml version="1.0" encoding="utf-8"?>
+<p:sld xmlns:a="http://schemas.openxmlformats.org/drawingml/2006/main" xmlns:r="http://schemas.openxmlformats.org/officeDocument/2006/relationships" xmlns:p="http://schemas.openxmlformats.org/presentationml/2006/main">
+  <p:cSld>
+    <p:spTree>
+      <p:nvGrpSpPr>
+        <p:cNvPr id="1" name=""/>
+        <p:cNvGrpSpPr/>
+        <p:nvPr/>
+      </p:nvGrpSpPr>
+      <p:grpSpPr>
+        <a:xfrm>
+          <a:off x="0" y="0"/>
+          <a:ext cx="0" cy="0"/>
+          <a:chOff x="0" y="0"/>
+          <a:chExt cx="0" cy="0"/>
+        </a:xfrm>
+      </p:grpSpPr>
+      <p:sp>
+        <p:nvSpPr>
+          <p:cNvPr id="2" name="Title 1">
+            <a:extLst>
+              <a:ext uri="{FF2B5EF4-FFF2-40B4-BE49-F238E27FC236}">
+                <a16:creationId xmlns:a16="http://schemas.microsoft.com/office/drawing/2014/main" id="{DD9B8E45-0772-954C-8D4B-6E6808DFEDED}"/>
+              </a:ext>
+            </a:extLst>
+          </p:cNvPr>
+          <p:cNvSpPr>
+            <a:spLocks noGrp="1"/>
+          </p:cNvSpPr>
+          <p:nvPr>
+            <p:ph type="title"/>
+          </p:nvPr>
+        </p:nvSpPr>
+        <p:spPr>
+          <a:xfrm>
+            <a:off x="838200" y="365129"/>
+            <a:ext cx="10002520" cy="1325563"/>
+          </a:xfrm>
+          <a:prstGeom prst="rect">
+            <a:avLst/>
+          </a:prstGeom>
+        </p:spPr>
+        <p:txBody>
+          <a:bodyPr/>
+          <a:lstStyle/>
+          <a:p>
+            <a:pPr lvl="0" indent="0" marL="0">
+              <a:buNone/>
+            </a:pPr>
+            <a:r>
+              <a:rPr/>
+              <a:t>Topic Speed Dating</a:t>
+            </a:r>
+          </a:p>
+        </p:txBody>
+      </p:sp>
+      <p:sp>
+        <p:nvSpPr>
+          <p:cNvPr id="3" name="Content Placeholder 2">
+            <a:extLst>
+              <a:ext uri="{FF2B5EF4-FFF2-40B4-BE49-F238E27FC236}">
+                <a16:creationId xmlns:a16="http://schemas.microsoft.com/office/drawing/2014/main" id="{A4EB24F9-04F1-C843-9D71-56C5C024552B}"/>
+              </a:ext>
+            </a:extLst>
+          </p:cNvPr>
+          <p:cNvSpPr>
+            <a:spLocks noGrp="1"/>
+          </p:cNvSpPr>
+          <p:nvPr>
+            <p:ph idx="1"/>
+          </p:nvPr>
+        </p:nvSpPr>
+        <p:spPr/>
+        <p:txBody>
+          <a:bodyPr/>
+          <a:lstStyle/>
+          <a:p>
+            <a:pPr lvl="0" indent="0" marL="0">
+              <a:buNone/>
+            </a:pPr>
+            <a:r>
+              <a:rPr/>
+              <a:t>The worksheet will provide some tips and ideas for finding a topic to research. Even if you think you’ve nailed it, let’s discuss it.</a:t>
+            </a:r>
+          </a:p>
+        </p:txBody>
+      </p:sp>
+    </p:spTree>
+  </p:cSld>
+</p:sld>
+</file>
+
+<file path=ppt/slides/slide15.xml><?xml version="1.0" encoding="utf-8"?>
+<p:sld xmlns:a="http://schemas.openxmlformats.org/drawingml/2006/main" xmlns:r="http://schemas.openxmlformats.org/officeDocument/2006/relationships" xmlns:p="http://schemas.openxmlformats.org/presentationml/2006/main">
+  <p:cSld>
+    <p:spTree>
+      <p:nvGrpSpPr>
+        <p:cNvPr id="1" name=""/>
+        <p:cNvGrpSpPr/>
+        <p:nvPr/>
+      </p:nvGrpSpPr>
+      <p:grpSpPr>
+        <a:xfrm>
+          <a:off x="0" y="0"/>
+          <a:ext cx="0" cy="0"/>
+          <a:chOff x="0" y="0"/>
+          <a:chExt cx="0" cy="0"/>
+        </a:xfrm>
+      </p:grpSpPr>
+      <p:sp>
+        <p:nvSpPr>
+          <p:cNvPr id="2" name="Title 1">
+            <a:extLst>
+              <a:ext uri="{FF2B5EF4-FFF2-40B4-BE49-F238E27FC236}">
+                <a16:creationId xmlns:a16="http://schemas.microsoft.com/office/drawing/2014/main" id="{DD9B8E45-0772-954C-8D4B-6E6808DFEDED}"/>
+              </a:ext>
+            </a:extLst>
+          </p:cNvPr>
+          <p:cNvSpPr>
+            <a:spLocks noGrp="1"/>
+          </p:cNvSpPr>
+          <p:nvPr>
+            <p:ph type="title"/>
+          </p:nvPr>
+        </p:nvSpPr>
+        <p:spPr>
+          <a:xfrm>
+            <a:off x="838200" y="365129"/>
+            <a:ext cx="10002520" cy="1325563"/>
+          </a:xfrm>
+          <a:prstGeom prst="rect">
+            <a:avLst/>
+          </a:prstGeom>
+        </p:spPr>
+        <p:txBody>
+          <a:bodyPr/>
+          <a:lstStyle/>
+          <a:p>
+            <a:pPr lvl="0" indent="0" marL="0">
+              <a:buNone/>
+            </a:pPr>
+            <a:r>
+              <a:rPr/>
+              <a:t>Methods Matching</a:t>
+            </a:r>
+          </a:p>
+        </p:txBody>
+      </p:sp>
+      <p:sp>
+        <p:nvSpPr>
+          <p:cNvPr id="3" name="Content Placeholder 2">
+            <a:extLst>
+              <a:ext uri="{FF2B5EF4-FFF2-40B4-BE49-F238E27FC236}">
+                <a16:creationId xmlns:a16="http://schemas.microsoft.com/office/drawing/2014/main" id="{A4EB24F9-04F1-C843-9D71-56C5C024552B}"/>
+              </a:ext>
+            </a:extLst>
+          </p:cNvPr>
+          <p:cNvSpPr>
+            <a:spLocks noGrp="1"/>
+          </p:cNvSpPr>
+          <p:nvPr>
+            <p:ph idx="1"/>
+          </p:nvPr>
+        </p:nvSpPr>
+        <p:spPr/>
+        <p:txBody>
+          <a:bodyPr/>
+          <a:lstStyle/>
+          <a:p>
+            <a:pPr lvl="0" indent="0" marL="0">
+              <a:buNone/>
+            </a:pPr>
+            <a:r>
+              <a:rPr/>
+              <a:t>It is easy to only think about online questionnaires. It may be some of the only research you’ve done, but frankly, it would be a shame to not think more expansively. Some ideas will be discussed, and a discussion about the Lab Challenge might prompt some ideas.</a:t>
+            </a:r>
+          </a:p>
+        </p:txBody>
+      </p:sp>
+    </p:spTree>
+  </p:cSld>
+</p:sld>
+</file>
+
+<file path=ppt/slides/slide16.xml><?xml version="1.0" encoding="utf-8"?>
+<p:sld xmlns:a="http://schemas.openxmlformats.org/drawingml/2006/main" xmlns:r="http://schemas.openxmlformats.org/officeDocument/2006/relationships" xmlns:p="http://schemas.openxmlformats.org/presentationml/2006/main">
+  <p:cSld>
+    <p:spTree>
+      <p:nvGrpSpPr>
+        <p:cNvPr id="1" name=""/>
+        <p:cNvGrpSpPr/>
+        <p:nvPr/>
+      </p:nvGrpSpPr>
+      <p:grpSpPr>
+        <a:xfrm>
+          <a:off x="0" y="0"/>
+          <a:ext cx="0" cy="0"/>
+          <a:chOff x="0" y="0"/>
+          <a:chExt cx="0" cy="0"/>
+        </a:xfrm>
+      </p:grpSpPr>
+      <p:sp>
+        <p:nvSpPr>
+          <p:cNvPr id="2" name="Title 1">
+            <a:extLst>
+              <a:ext uri="{FF2B5EF4-FFF2-40B4-BE49-F238E27FC236}">
+                <a16:creationId xmlns:a16="http://schemas.microsoft.com/office/drawing/2014/main" id="{DD9B8E45-0772-954C-8D4B-6E6808DFEDED}"/>
+              </a:ext>
+            </a:extLst>
+          </p:cNvPr>
+          <p:cNvSpPr>
+            <a:spLocks noGrp="1"/>
+          </p:cNvSpPr>
+          <p:nvPr>
+            <p:ph type="title"/>
+          </p:nvPr>
+        </p:nvSpPr>
+        <p:spPr>
+          <a:xfrm>
+            <a:off x="838200" y="365129"/>
+            <a:ext cx="10002520" cy="1325563"/>
+          </a:xfrm>
+          <a:prstGeom prst="rect">
+            <a:avLst/>
+          </a:prstGeom>
+        </p:spPr>
+        <p:txBody>
+          <a:bodyPr/>
+          <a:lstStyle/>
+          <a:p>
+            <a:pPr lvl="0" indent="0" marL="0">
+              <a:buNone/>
+            </a:pPr>
+            <a:r>
+              <a:rPr/>
+              <a:t>Goal Alignment and Group Ethos</a:t>
+            </a:r>
+          </a:p>
+        </p:txBody>
+      </p:sp>
+      <p:sp>
+        <p:nvSpPr>
+          <p:cNvPr id="3" name="Content Placeholder 2">
+            <a:extLst>
+              <a:ext uri="{FF2B5EF4-FFF2-40B4-BE49-F238E27FC236}">
+                <a16:creationId xmlns:a16="http://schemas.microsoft.com/office/drawing/2014/main" id="{A4EB24F9-04F1-C843-9D71-56C5C024552B}"/>
+              </a:ext>
+            </a:extLst>
+          </p:cNvPr>
+          <p:cNvSpPr>
+            <a:spLocks noGrp="1"/>
+          </p:cNvSpPr>
+          <p:nvPr>
+            <p:ph idx="1"/>
+          </p:nvPr>
+        </p:nvSpPr>
+        <p:spPr/>
+        <p:txBody>
+          <a:bodyPr/>
+          <a:lstStyle/>
+          <a:p>
+            <a:pPr lvl="0" indent="0" marL="0">
+              <a:buNone/>
+            </a:pPr>
+            <a:r>
+              <a:rPr/>
+              <a:t>Another aspect of effective Group work is Goal Alignment. Even if you are working with your best buddy, they may want to just get in and out, while you want to immerse yourself in the task ahead.</a:t>
+            </a:r>
+          </a:p>
+          <a:p>
+            <a:pPr lvl="0" indent="0" marL="0">
+              <a:buNone/>
+            </a:pPr>
+            <a:r>
+              <a:rPr/>
+              <a:t>This would be a conflict that is potentially dangerous. Think about your goals, your aspirations, and then consider how your might formalise these in to a set of guidelines.</a:t>
+            </a:r>
+          </a:p>
+          <a:p>
+            <a:pPr lvl="0" indent="0" marL="0">
+              <a:buNone/>
+            </a:pPr>
+            <a:r>
+              <a:rPr/>
+              <a:t>Please do take the time to do this. Being able to point to a set of principles (for your group or for the whole lab) may smooth the process or be of help in resolving difficulties.</a:t>
+            </a:r>
+          </a:p>
+        </p:txBody>
+      </p:sp>
+    </p:spTree>
+  </p:cSld>
+</p:sld>
+</file>
+
+<file path=ppt/slides/slide17.xml><?xml version="1.0" encoding="utf-8"?>
+<p:sld xmlns:a="http://schemas.openxmlformats.org/drawingml/2006/main" xmlns:r="http://schemas.openxmlformats.org/officeDocument/2006/relationships" xmlns:p="http://schemas.openxmlformats.org/presentationml/2006/main">
+  <p:cSld>
+    <p:spTree>
+      <p:nvGrpSpPr>
+        <p:cNvPr id="1" name=""/>
+        <p:cNvGrpSpPr/>
+        <p:nvPr/>
+      </p:nvGrpSpPr>
+      <p:grpSpPr>
+        <a:xfrm>
+          <a:off x="0" y="0"/>
+          <a:ext cx="0" cy="0"/>
+          <a:chOff x="0" y="0"/>
+          <a:chExt cx="0" cy="0"/>
+        </a:xfrm>
+      </p:grpSpPr>
+      <p:sp>
+        <p:nvSpPr>
+          <p:cNvPr id="2" name="Title 1">
+            <a:extLst>
+              <a:ext uri="{FF2B5EF4-FFF2-40B4-BE49-F238E27FC236}">
+                <a16:creationId xmlns:a16="http://schemas.microsoft.com/office/drawing/2014/main" id="{DD9B8E45-0772-954C-8D4B-6E6808DFEDED}"/>
+              </a:ext>
+            </a:extLst>
+          </p:cNvPr>
+          <p:cNvSpPr>
+            <a:spLocks noGrp="1"/>
+          </p:cNvSpPr>
+          <p:nvPr>
+            <p:ph type="title"/>
+          </p:nvPr>
+        </p:nvSpPr>
+        <p:spPr>
+          <a:xfrm>
+            <a:off x="838200" y="365129"/>
+            <a:ext cx="10002520" cy="1325563"/>
+          </a:xfrm>
+          <a:prstGeom prst="rect">
+            <a:avLst/>
+          </a:prstGeom>
+        </p:spPr>
+        <p:txBody>
+          <a:bodyPr/>
+          <a:lstStyle/>
+          <a:p>
+            <a:pPr lvl="0" indent="0" marL="0">
+              <a:buNone/>
+            </a:pPr>
+            <a:r>
+              <a:rPr/>
+              <a:t>References</a:t>
             </a:r>
           </a:p>
         </p:txBody>
@@ -4996,7 +5756,7 @@
           <p:cNvPr id="2" name="Title 1">
             <a:extLst>
               <a:ext uri="{FF2B5EF4-FFF2-40B4-BE49-F238E27FC236}">
-                <a16:creationId xmlns:a16="http://schemas.microsoft.com/office/drawing/2014/main" id="{DD9B8E45-0772-954C-8D4B-6E6808DFEDED}"/>
+                <a16:creationId xmlns:a16="http://schemas.microsoft.com/office/drawing/2014/main" id="{FF6A6CB2-D1B6-B94A-84C1-83C65423C650}"/>
               </a:ext>
             </a:extLst>
           </p:cNvPr>
@@ -5009,8 +5769,8 @@
         </p:nvSpPr>
         <p:spPr>
           <a:xfrm>
-            <a:off x="838200" y="365129"/>
-            <a:ext cx="10002520" cy="1325563"/>
+            <a:off x="831851" y="1709742"/>
+            <a:ext cx="10515600" cy="2852737"/>
           </a:xfrm>
           <a:prstGeom prst="rect">
             <a:avLst/>
@@ -5025,7 +5785,7 @@
             </a:pPr>
             <a:r>
               <a:rPr/>
-              <a:t>Show Attendance QR Code</a:t>
+              <a:t>Welcome to the Research Methods Labs</a:t>
             </a:r>
           </a:p>
         </p:txBody>
@@ -5086,7 +5846,7 @@
             </a:pPr>
             <a:r>
               <a:rPr/>
-              <a:t>Heading 1 - Section Head</a:t>
+              <a:t>My role as Lab Tutor</a:t>
             </a:r>
           </a:p>
         </p:txBody>
@@ -5112,213 +5872,38 @@
           <a:bodyPr/>
           <a:lstStyle/>
           <a:p>
-            <a:pPr lvl="0" indent="0" marL="0">
-              <a:buNone/>
-            </a:pPr>
+            <a:pPr lvl="0"/>
             <a:r>
               <a:rPr/>
-              <a:t>This is a subtitle to the section header</a:t>
-            </a:r>
-          </a:p>
-          <a:p>
-            <a:pPr lvl="0" indent="0" marL="0">
-              <a:spcBef>
-                <a:spcPts val="3000"/>
-              </a:spcBef>
-              <a:buNone/>
-            </a:pPr>
-            <a:r>
-              <a:rPr b="1"/>
-              <a:t>Heading 2 - new slide title</a:t>
-            </a:r>
-          </a:p>
-          <a:p>
-            <a:pPr lvl="0" indent="0" marL="0">
-              <a:buNone/>
-            </a:pPr>
+              <a:t>To help you every step of the way</a:t>
+            </a:r>
+          </a:p>
+          <a:p>
+            <a:pPr lvl="0"/>
             <a:r>
               <a:rPr/>
-              <a:t>Heading 2 copy</a:t>
-            </a:r>
-          </a:p>
-          <a:p>
-            <a:pPr lvl="0" indent="0" marL="0">
-              <a:spcBef>
-                <a:spcPts val="3000"/>
-              </a:spcBef>
-              <a:buNone/>
-            </a:pPr>
-            <a:r>
-              <a:rPr b="1"/>
-              <a:t>Heading 3 - italic emphasis</a:t>
-            </a:r>
-          </a:p>
-          <a:p>
-            <a:pPr lvl="0" indent="0" marL="0">
-              <a:spcBef>
-                <a:spcPts val="3000"/>
-              </a:spcBef>
-              <a:buNone/>
-            </a:pPr>
-            <a:r>
-              <a:rPr b="1"/>
-              <a:t>Spans for text accentuation - available in source mode</a:t>
-            </a:r>
-          </a:p>
-          <a:p>
-            <a:pPr lvl="0" indent="0" marL="0">
-              <a:buNone/>
-            </a:pPr>
+              <a:t>Your first point of contact for questions or queries on Research Methods</a:t>
+            </a:r>
+          </a:p>
+          <a:p>
+            <a:pPr lvl="0"/>
             <a:r>
               <a:rPr/>
-              <a:t>.shout accent3(red) 1.5em and Bold</a:t>
-            </a:r>
-          </a:p>
-          <a:p>
-            <a:pPr lvl="0" indent="0" marL="0">
-              <a:buNone/>
-            </a:pPr>
+              <a:t>To share my passion for research and the experience I have gained</a:t>
+            </a:r>
+          </a:p>
+          <a:p>
+            <a:pPr lvl="0"/>
             <a:r>
               <a:rPr/>
-              <a:t>.alert accent3(red) no change to font size</a:t>
-            </a:r>
-          </a:p>
-          <a:p>
-            <a:pPr lvl="0" indent="0" marL="0">
-              <a:buNone/>
-            </a:pPr>
+              <a:t>To show how I have learned to find answers and solve problems</a:t>
+            </a:r>
+          </a:p>
+          <a:p>
+            <a:pPr lvl="0"/>
             <a:r>
               <a:rPr/>
-              <a:t>.fg .bg</a:t>
-            </a:r>
-          </a:p>
-          <a:p>
-            <a:pPr lvl="0" indent="0" marL="0">
-              <a:buNone/>
-            </a:pPr>
-            <a:r>
-              <a:rPr/>
-              <a:t>.button accent1 whitetext button for link</a:t>
-            </a:r>
-          </a:p>
-          <a:p>
-            <a:pPr lvl="0" indent="0" marL="0">
-              <a:buNone/>
-            </a:pPr>
-            <a:r>
-              <a:rPr/>
-              <a:t>.button-success</a:t>
-            </a:r>
-          </a:p>
-          <a:p>
-            <a:pPr lvl="0" indent="0" marL="0">
-              <a:buNone/>
-            </a:pPr>
-            <a:r>
-              <a:rPr/>
-              <a:t>.takeaway</a:t>
-            </a:r>
-          </a:p>
-          <a:p>
-            <a:pPr lvl="0" indent="0" marL="0">
-              <a:buNone/>
-            </a:pPr>
-            <a:r>
-              <a:rPr/>
-              <a:t>.highlight</a:t>
-            </a:r>
-          </a:p>
-          <a:p>
-            <a:pPr lvl="0" indent="0" marL="0">
-              <a:spcBef>
-                <a:spcPts val="3000"/>
-              </a:spcBef>
-              <a:buNone/>
-            </a:pPr>
-            <a:r>
-              <a:rPr b="1"/>
-              <a:t>Citations</a:t>
-            </a:r>
-          </a:p>
-          <a:p>
-            <a:pPr lvl="0" indent="0" marL="0">
-              <a:buNone/>
-            </a:pPr>
-            <a:r>
-              <a:rPr/>
-              <a:t>Wright et al. (2012)</a:t>
-            </a:r>
-          </a:p>
-          <a:p>
-            <a:pPr lvl="0" indent="0" marL="0">
-              <a:buNone/>
-            </a:pPr>
-            <a:r>
-              <a:rPr/>
-              <a:t>Cohen (1992) In text citation </a:t>
-            </a:r>
-            <a:r>
-              <a:rPr>
-                <a:latin typeface="Courier"/>
-              </a:rPr>
-              <a:t>@Cohen1992</a:t>
-            </a:r>
-          </a:p>
-          <a:p>
-            <a:pPr lvl="0" indent="0" marL="0">
-              <a:buNone/>
-            </a:pPr>
-            <a:r>
-              <a:rPr/>
-              <a:t>(Cohen, 1992) not in-text citation `(Cohen, 1992)</a:t>
-            </a:r>
-          </a:p>
-          <a:p>
-            <a:pPr lvl="0" indent="0" marL="0">
-              <a:buNone/>
-            </a:pPr>
-            <a:r>
-              <a:rPr/>
-              <a:t>just type `@` and a search box comes up for your Zotero library or a .bib file associated with the project</a:t>
-            </a:r>
-          </a:p>
-          <a:p>
-            <a:pPr lvl="0" indent="0" marL="0">
-              <a:spcBef>
-                <a:spcPts val="3000"/>
-              </a:spcBef>
-              <a:buNone/>
-            </a:pPr>
-            <a:r>
-              <a:rPr b="1"/>
-              <a:t>Image|content 2 column</a:t>
-            </a:r>
-          </a:p>
-          <a:p>
-            <a:pPr lvl="0" indent="0" marL="0">
-              <a:buNone/>
-            </a:pPr>
-            <a:r>
-              <a:rPr/>
-              <a:t>Slide with image and commentary in two columns and some explanatory text above</a:t>
-            </a:r>
-          </a:p>
-          <a:p>
-            <a:pPr lvl="0" indent="0" marL="0">
-              <a:buNone/>
-            </a:pPr>
-            <a:r>
-              <a:rPr/>
-              <a:t>text text text text text text text text text text text text</a:t>
-            </a:r>
-          </a:p>
-          <a:p>
-            <a:pPr lvl="0" indent="0" marL="0">
-              <a:buNone/>
-            </a:pPr>
-            <a:r>
-              <a:rPr/>
-              <a:t>text text text text text text text text text text text text</a:t>
+              <a:t>To challenge you to achieve your best this year and next</a:t>
             </a:r>
           </a:p>
         </p:txBody>
@@ -5345,50 +5930,59 @@
           <a:chExt cx="0" cy="0"/>
         </a:xfrm>
       </p:grpSpPr>
-      <p:pic>
-        <p:nvPicPr>
-          <p:cNvPr descr="images/TestImage.png" id="0" name="Picture 1"/>
-          <p:cNvPicPr>
-            <a:picLocks noGrp="1" noChangeAspect="1"/>
-          </p:cNvPicPr>
-          <p:nvPr/>
-        </p:nvPicPr>
-        <p:blipFill>
-          <a:blip r:embed="rId2"/>
-          <a:stretch>
-            <a:fillRect/>
-          </a:stretch>
-        </p:blipFill>
-        <p:spPr bwMode="auto">
+      <p:sp>
+        <p:nvSpPr>
+          <p:cNvPr id="2" name="Title 1">
+            <a:extLst>
+              <a:ext uri="{FF2B5EF4-FFF2-40B4-BE49-F238E27FC236}">
+                <a16:creationId xmlns:a16="http://schemas.microsoft.com/office/drawing/2014/main" id="{DD9B8E45-0772-954C-8D4B-6E6808DFEDED}"/>
+              </a:ext>
+            </a:extLst>
+          </p:cNvPr>
+          <p:cNvSpPr>
+            <a:spLocks noGrp="1"/>
+          </p:cNvSpPr>
+          <p:nvPr>
+            <p:ph type="title"/>
+          </p:nvPr>
+        </p:nvSpPr>
+        <p:spPr>
           <a:xfrm>
-            <a:off x="1257300" y="1816100"/>
-            <a:ext cx="4343400" cy="4343400"/>
+            <a:off x="838200" y="365129"/>
+            <a:ext cx="10002520" cy="1325563"/>
           </a:xfrm>
           <a:prstGeom prst="rect">
             <a:avLst/>
           </a:prstGeom>
-          <a:noFill/>
-          <a:ln w="9525">
-            <a:noFill/>
-            <a:headEnd/>
-            <a:tailEnd/>
-          </a:ln>
         </p:spPr>
-      </p:pic>
-      <p:sp>
-        <p:nvSpPr>
-          <p:cNvPr id="4" name="Content Placeholder 3">
-            <a:extLst>
-              <a:ext uri="{FF2B5EF4-FFF2-40B4-BE49-F238E27FC236}">
-                <a16:creationId xmlns:a16="http://schemas.microsoft.com/office/drawing/2014/main" id="{3B974A49-6A1E-2F48-B419-02B0A17B9692}"/>
-              </a:ext>
-            </a:extLst>
-          </p:cNvPr>
-          <p:cNvSpPr>
-            <a:spLocks noGrp="1"/>
-          </p:cNvSpPr>
-          <p:nvPr>
-            <p:ph idx="2" sz="half"/>
+        <p:txBody>
+          <a:bodyPr/>
+          <a:lstStyle/>
+          <a:p>
+            <a:pPr lvl="0" indent="0" marL="0">
+              <a:buNone/>
+            </a:pPr>
+            <a:r>
+              <a:rPr/>
+              <a:t>Not</a:t>
+            </a:r>
+          </a:p>
+        </p:txBody>
+      </p:sp>
+      <p:sp>
+        <p:nvSpPr>
+          <p:cNvPr id="3" name="Content Placeholder 2">
+            <a:extLst>
+              <a:ext uri="{FF2B5EF4-FFF2-40B4-BE49-F238E27FC236}">
+                <a16:creationId xmlns:a16="http://schemas.microsoft.com/office/drawing/2014/main" id="{A4EB24F9-04F1-C843-9D71-56C5C024552B}"/>
+              </a:ext>
+            </a:extLst>
+          </p:cNvPr>
+          <p:cNvSpPr>
+            <a:spLocks noGrp="1"/>
+          </p:cNvSpPr>
+          <p:nvPr>
+            <p:ph idx="1"/>
           </p:nvPr>
         </p:nvSpPr>
         <p:spPr/>
@@ -5396,33 +5990,24 @@
           <a:bodyPr/>
           <a:lstStyle/>
           <a:p>
-            <a:pPr lvl="0" indent="0" marL="0">
-              <a:buNone/>
-            </a:pPr>
+            <a:pPr lvl="0"/>
             <a:r>
               <a:rPr/>
-              <a:t>Here is some text</a:t>
+              <a:t>To do the work for you</a:t>
             </a:r>
           </a:p>
           <a:p>
             <a:pPr lvl="0"/>
             <a:r>
               <a:rPr/>
-              <a:t>Bullet 1</a:t>
+              <a:t>To chase you or to make you do your work (attendance and coursework is compulsory!)</a:t>
             </a:r>
           </a:p>
           <a:p>
             <a:pPr lvl="0"/>
             <a:r>
               <a:rPr/>
-              <a:t>Bullet 2</a:t>
-            </a:r>
-          </a:p>
-          <a:p>
-            <a:pPr lvl="0"/>
-            <a:r>
-              <a:rPr/>
-              <a:t>Bullet 3</a:t>
+              <a:t>To tell anybody how to behave either individually or in your groups</a:t>
             </a:r>
           </a:p>
         </p:txBody>
@@ -5451,402 +6036,82 @@
       </p:grpSpPr>
       <p:sp>
         <p:nvSpPr>
-          <p:cNvPr id="4" name="Text Placeholder 3">
-            <a:extLst>
-              <a:ext uri="{FF2B5EF4-FFF2-40B4-BE49-F238E27FC236}">
-                <a16:creationId xmlns:a16="http://schemas.microsoft.com/office/drawing/2014/main" id="{898BA411-2A54-A94A-B3FC-826281DBEADF}"/>
-              </a:ext>
-            </a:extLst>
-          </p:cNvPr>
-          <p:cNvSpPr>
-            <a:spLocks noGrp="1"/>
-          </p:cNvSpPr>
-          <p:nvPr>
-            <p:ph idx="2" sz="half" type="body"/>
-          </p:nvPr>
-        </p:nvSpPr>
-        <p:spPr/>
-        <p:txBody>
-          <a:bodyPr/>
-          <a:lstStyle/>
-          <a:p>
-            <a:pPr lvl="0" indent="0" marL="0">
-              <a:spcBef>
-                <a:spcPts val="3000"/>
-              </a:spcBef>
-              <a:buNone/>
-            </a:pPr>
-            <a:r>
-              <a:rPr b="1"/>
-              <a:t>Callouts</a:t>
-            </a:r>
-          </a:p>
-          <a:p>
-            <a:pPr lvl="0" indent="0" marL="0">
-              <a:spcBef>
-                <a:spcPts val="3000"/>
-              </a:spcBef>
-              <a:buNone/>
-            </a:pPr>
-            <a:r>
-              <a:rPr b="1"/>
-              <a:t>Note Callouts</a:t>
-            </a:r>
-          </a:p>
-          <a:p>
-            <a:pPr lvl="0" indent="0" marL="1270000">
-              <a:buNone/>
-            </a:pPr>
-            <a:r>
-              <a:rPr sz="2000" b="1"/>
-              <a:t>Note default</a:t>
-            </a:r>
-          </a:p>
-          <a:p>
-            <a:pPr lvl="0" indent="0" marL="1270000">
-              <a:buNone/>
-            </a:pPr>
-            <a:r>
-              <a:rPr sz="2000"/>
-              <a:t>content</a:t>
-            </a:r>
-          </a:p>
-          <a:p>
-            <a:pPr lvl="0" indent="0" marL="1270000">
-              <a:buNone/>
-            </a:pPr>
-            <a:r>
-              <a:rPr sz="2000" b="1"/>
-              <a:t>Note simple</a:t>
-            </a:r>
-          </a:p>
-          <a:p>
-            <a:pPr lvl="0" indent="0" marL="1270000">
-              <a:buNone/>
-            </a:pPr>
-            <a:r>
-              <a:rPr sz="2000"/>
-              <a:t>content</a:t>
-            </a:r>
-          </a:p>
-          <a:p>
-            <a:pPr lvl="0" indent="0" marL="1270000">
-              <a:buNone/>
-            </a:pPr>
-            <a:r>
-              <a:rPr sz="2000" b="1"/>
-              <a:t>Note minimal</a:t>
-            </a:r>
-          </a:p>
-          <a:p>
-            <a:pPr lvl="0" indent="0" marL="1270000">
-              <a:buNone/>
-            </a:pPr>
-            <a:r>
-              <a:rPr sz="2000"/>
-              <a:t>content</a:t>
-            </a:r>
-          </a:p>
-          <a:p>
-            <a:pPr lvl="0" indent="0" marL="0">
-              <a:spcBef>
-                <a:spcPts val="3000"/>
-              </a:spcBef>
-              <a:buNone/>
-            </a:pPr>
-            <a:r>
-              <a:rPr b="1"/>
-              <a:t>Icons by FontAwesome</a:t>
-            </a:r>
-          </a:p>
-          <a:p>
-            <a:pPr lvl="0" indent="0" marL="0">
-              <a:buNone/>
-            </a:pPr>
-            <a:r>
-              <a:rPr/>
-              <a:t>These are cool  but they do need a full render e.g. </a:t>
-            </a:r>
-            <a:r>
-              <a:rPr>
-                <a:latin typeface="Courier"/>
-              </a:rPr>
-              <a:t>$ quarto render</a:t>
-            </a:r>
-            <a:r>
-              <a:rPr/>
-              <a:t> in order to be seen.</a:t>
-            </a:r>
-          </a:p>
-          <a:p>
-            <a:pPr lvl="0" indent="0" marL="0">
-              <a:buNone/>
-            </a:pPr>
-            <a:r>
-              <a:rPr/>
-              <a:t>They can also be used in pdfs</a:t>
-            </a:r>
-          </a:p>
-        </p:txBody>
-      </p:sp>
-      <p:graphicFrame>
-        <p:nvGraphicFramePr>
-          <p:cNvPr id="6" name="Content Placeholder 5"/>
-          <p:cNvGraphicFramePr>
-            <a:graphicFrameLocks noGrp="1"/>
-          </p:cNvGraphicFramePr>
-          <p:nvPr>
-            <p:ph idx="1"/>
-          </p:nvPr>
-        </p:nvGraphicFramePr>
-        <p:xfrm>
-          <a:off x="5181600" y="977900"/>
-          <a:ext cx="6172200" cy="4356100"/>
-        </p:xfrm>
-        <a:graphic>
-          <a:graphicData uri="http://schemas.openxmlformats.org/drawingml/2006/table">
-            <a:tbl>
-              <a:tblPr firstRow="1" bandRow="1">
-                <a:tableStyleId>{5C22544A-7EE6-4342-B048-85BDC9FD1C3A}</a:tableStyleId>
-              </a:tblPr>
-              <a:tblGrid>
-                <a:gridCol w="3086100"/>
-                <a:gridCol w="3086100"/>
-              </a:tblGrid>
-              <a:tr h="0">
-                <a:tc>
-                  <a:txBody>
-                    <a:bodyPr/>
-                    <a:lstStyle/>
-                    <a:p>
-                      <a:pPr lvl="0" indent="0" marL="0" algn="l">
-                        <a:buNone/>
-                      </a:pPr>
-                      <a:r>
-                        <a:rPr/>
-                        <a:t>input</a:t>
-                      </a:r>
-                    </a:p>
-                  </a:txBody>
-                  <a:tcPr/>
-                </a:tc>
-                <a:tc>
-                  <a:txBody>
-                    <a:bodyPr/>
-                    <a:lstStyle/>
-                    <a:p>
-                      <a:pPr lvl="0" indent="0" marL="0" algn="ctr">
-                        <a:buNone/>
-                      </a:pPr>
-                      <a:r>
-                        <a:rPr/>
-                        <a:t>output</a:t>
-                      </a:r>
-                    </a:p>
-                  </a:txBody>
-                  <a:tcPr/>
-                </a:tc>
-              </a:tr>
-              <a:tr h="0">
-                <a:tc>
-                  <a:txBody>
-                    <a:bodyPr/>
-                    <a:lstStyle/>
-                    <a:p>
-                      <a:pPr lvl="0" indent="0" marL="0" algn="l">
-                        <a:buNone/>
-                      </a:pPr>
-                      <a:r>
-                        <a:rPr>
-                          <a:latin typeface="Courier"/>
-                        </a:rPr>
-                        <a:t>{{&lt; fa binoculars &gt;}}</a:t>
-                      </a:r>
-                    </a:p>
-                  </a:txBody>
-                </a:tc>
-                <a:tc>
-                  <a:txBody>
-                    <a:bodyPr/>
-                    <a:lstStyle/>
-                    <a:p>
-                      <a:pPr lvl="0" indent="0" marL="0" algn="ctr">
-                        <a:buNone/>
-                      </a:pPr>
-                      <a:r>
-                        <a:rPr/>
-                        <a:t> Prepare</a:t>
-                      </a:r>
-                    </a:p>
-                  </a:txBody>
-                </a:tc>
-              </a:tr>
-              <a:tr h="0">
-                <a:tc>
-                  <a:txBody>
-                    <a:bodyPr/>
-                    <a:lstStyle/>
-                    <a:p>
-                      <a:pPr lvl="0" indent="0" marL="0" algn="l">
-                        <a:buNone/>
-                      </a:pPr>
-                      <a:r>
-                        <a:rPr>
-                          <a:latin typeface="Courier"/>
-                        </a:rPr>
-                        <a:t>{{&lt; fa chalkboard-teacher &gt;}}</a:t>
-                      </a:r>
-                    </a:p>
-                  </a:txBody>
-                </a:tc>
-                <a:tc>
-                  <a:txBody>
-                    <a:bodyPr/>
-                    <a:lstStyle/>
-                    <a:p>
-                      <a:pPr lvl="0" indent="0" marL="0" algn="ctr">
-                        <a:buNone/>
-                      </a:pPr>
-                      <a:r>
-                        <a:rPr/>
-                        <a:t> Lecture</a:t>
-                      </a:r>
-                    </a:p>
-                  </a:txBody>
-                </a:tc>
-              </a:tr>
-              <a:tr h="0">
-                <a:tc>
-                  <a:txBody>
-                    <a:bodyPr/>
-                    <a:lstStyle/>
-                    <a:p>
-                      <a:pPr lvl="0" indent="0" marL="0" algn="l">
-                        <a:buNone/>
-                      </a:pPr>
-                      <a:r>
-                        <a:rPr>
-                          <a:latin typeface="Courier"/>
-                        </a:rPr>
-                        <a:t>{{&lt; fa users &gt;}}</a:t>
-                      </a:r>
-                    </a:p>
-                  </a:txBody>
-                </a:tc>
-                <a:tc>
-                  <a:txBody>
-                    <a:bodyPr/>
-                    <a:lstStyle/>
-                    <a:p>
-                      <a:pPr lvl="0" indent="0" marL="0" algn="ctr">
-                        <a:buNone/>
-                      </a:pPr>
-                      <a:r>
-                        <a:rPr/>
-                        <a:t> Lab</a:t>
-                      </a:r>
-                    </a:p>
-                  </a:txBody>
-                </a:tc>
-              </a:tr>
-              <a:tr h="0">
-                <a:tc>
-                  <a:txBody>
-                    <a:bodyPr/>
-                    <a:lstStyle/>
-                    <a:p>
-                      <a:pPr lvl="0" indent="0" marL="0" algn="l">
-                        <a:buNone/>
-                      </a:pPr>
-                      <a:r>
-                        <a:rPr>
-                          <a:latin typeface="Courier"/>
-                        </a:rPr>
-                        <a:t>{{&lt; fa bookmark &gt;}}</a:t>
-                      </a:r>
-                    </a:p>
-                  </a:txBody>
-                </a:tc>
-                <a:tc>
-                  <a:txBody>
-                    <a:bodyPr/>
-                    <a:lstStyle/>
-                    <a:p>
-                      <a:pPr lvl="0" indent="0" marL="0" algn="ctr">
-                        <a:buNone/>
-                      </a:pPr>
-                      <a:r>
-                        <a:rPr/>
-                        <a:t> Reading</a:t>
-                      </a:r>
-                    </a:p>
-                  </a:txBody>
-                </a:tc>
-              </a:tr>
-              <a:tr h="0">
-                <a:tc>
-                  <a:txBody>
-                    <a:bodyPr/>
-                    <a:lstStyle/>
-                    <a:p>
-                      <a:pPr lvl="0" indent="0" marL="0" algn="l">
-                        <a:buNone/>
-                      </a:pPr>
-                      <a:r>
-                        <a:rPr>
-                          <a:latin typeface="Courier"/>
-                        </a:rPr>
-                        <a:t>{{&lt; fa book &gt;}}</a:t>
-                      </a:r>
-                    </a:p>
-                  </a:txBody>
-                </a:tc>
-                <a:tc>
-                  <a:txBody>
-                    <a:bodyPr/>
-                    <a:lstStyle/>
-                    <a:p>
-                      <a:pPr lvl="0" indent="0" marL="0" algn="ctr">
-                        <a:buNone/>
-                      </a:pPr>
-                      <a:r>
-                        <a:rPr/>
-                        <a:t> Mini-Dissertation</a:t>
-                      </a:r>
-                    </a:p>
-                  </a:txBody>
-                </a:tc>
-              </a:tr>
-            </a:tbl>
-          </a:graphicData>
-        </a:graphic>
-      </p:graphicFrame>
-      <p:sp>
-        <p:nvSpPr>
-          <p:cNvPr id="1" name="TextBox 3"/>
-          <p:cNvSpPr txBox="1"/>
-          <p:nvPr/>
+          <p:cNvPr id="2" name="Title 1">
+            <a:extLst>
+              <a:ext uri="{FF2B5EF4-FFF2-40B4-BE49-F238E27FC236}">
+                <a16:creationId xmlns:a16="http://schemas.microsoft.com/office/drawing/2014/main" id="{DD9B8E45-0772-954C-8D4B-6E6808DFEDED}"/>
+              </a:ext>
+            </a:extLst>
+          </p:cNvPr>
+          <p:cNvSpPr>
+            <a:spLocks noGrp="1"/>
+          </p:cNvSpPr>
+          <p:nvPr>
+            <p:ph type="title"/>
+          </p:nvPr>
         </p:nvSpPr>
         <p:spPr>
           <a:xfrm>
-            <a:off x="5181600" y="5334000"/>
-            <a:ext cx="6172200" cy="508000"/>
+            <a:off x="838200" y="365129"/>
+            <a:ext cx="10002520" cy="1325563"/>
           </a:xfrm>
           <a:prstGeom prst="rect">
             <a:avLst/>
           </a:prstGeom>
-          <a:noFill/>
         </p:spPr>
         <p:txBody>
           <a:bodyPr/>
           <a:lstStyle/>
           <a:p>
-            <a:pPr lvl="0" indent="0" marL="0" algn="ctr">
+            <a:pPr lvl="0" indent="0" marL="0">
               <a:buNone/>
             </a:pPr>
             <a:r>
               <a:rPr/>
-              <a:t>Fontawesome</a:t>
+              <a:t>100% of our focus in the lab</a:t>
+            </a:r>
+          </a:p>
+        </p:txBody>
+      </p:sp>
+      <p:sp>
+        <p:nvSpPr>
+          <p:cNvPr id="3" name="Content Placeholder 2">
+            <a:extLst>
+              <a:ext uri="{FF2B5EF4-FFF2-40B4-BE49-F238E27FC236}">
+                <a16:creationId xmlns:a16="http://schemas.microsoft.com/office/drawing/2014/main" id="{A4EB24F9-04F1-C843-9D71-56C5C024552B}"/>
+              </a:ext>
+            </a:extLst>
+          </p:cNvPr>
+          <p:cNvSpPr>
+            <a:spLocks noGrp="1"/>
+          </p:cNvSpPr>
+          <p:nvPr>
+            <p:ph idx="1"/>
+          </p:nvPr>
+        </p:nvSpPr>
+        <p:spPr/>
+        <p:txBody>
+          <a:bodyPr/>
+          <a:lstStyle/>
+          <a:p>
+            <a:pPr lvl="0"/>
+            <a:r>
+              <a:rPr/>
+              <a:t>We are here to be your guide and mentor in the lab</a:t>
+            </a:r>
+          </a:p>
+          <a:p>
+            <a:pPr lvl="0"/>
+            <a:r>
+              <a:rPr/>
+              <a:t>Outside of lab hours, your point of contact is Gordon</a:t>
+            </a:r>
+          </a:p>
+          <a:p>
+            <a:pPr lvl="0"/>
+            <a:r>
+              <a:rPr/>
+              <a:t>If you have an emergency, your Personal Tutor or Gordon are your primary contacts</a:t>
             </a:r>
           </a:p>
         </p:txBody>
@@ -5875,6 +6140,167 @@
       </p:grpSpPr>
       <p:sp>
         <p:nvSpPr>
+          <p:cNvPr id="2" name="Title 1">
+            <a:extLst>
+              <a:ext uri="{FF2B5EF4-FFF2-40B4-BE49-F238E27FC236}">
+                <a16:creationId xmlns:a16="http://schemas.microsoft.com/office/drawing/2014/main" id="{F3186003-B489-CA46-A95C-C1AECC0CA4D3}"/>
+              </a:ext>
+            </a:extLst>
+          </p:cNvPr>
+          <p:cNvSpPr>
+            <a:spLocks noGrp="1"/>
+          </p:cNvSpPr>
+          <p:nvPr>
+            <p:ph type="title"/>
+          </p:nvPr>
+        </p:nvSpPr>
+        <p:spPr>
+          <a:xfrm>
+            <a:off x="839788" y="457200"/>
+            <a:ext cx="3932237" cy="1600200"/>
+          </a:xfrm>
+          <a:prstGeom prst="rect">
+            <a:avLst/>
+          </a:prstGeom>
+        </p:spPr>
+        <p:txBody>
+          <a:bodyPr/>
+          <a:lstStyle/>
+          <a:p>
+            <a:pPr lvl="0" indent="0" marL="0">
+              <a:buNone/>
+            </a:pPr>
+            <a:r>
+              <a:rPr/>
+              <a:t>Lab structure</a:t>
+            </a:r>
+          </a:p>
+        </p:txBody>
+      </p:sp>
+      <p:sp>
+        <p:nvSpPr>
+          <p:cNvPr id="4" name="Text Placeholder 3">
+            <a:extLst>
+              <a:ext uri="{FF2B5EF4-FFF2-40B4-BE49-F238E27FC236}">
+                <a16:creationId xmlns:a16="http://schemas.microsoft.com/office/drawing/2014/main" id="{898BA411-2A54-A94A-B3FC-826281DBEADF}"/>
+              </a:ext>
+            </a:extLst>
+          </p:cNvPr>
+          <p:cNvSpPr>
+            <a:spLocks noGrp="1"/>
+          </p:cNvSpPr>
+          <p:nvPr>
+            <p:ph idx="2" sz="half" type="body"/>
+          </p:nvPr>
+        </p:nvSpPr>
+        <p:spPr/>
+        <p:txBody>
+          <a:bodyPr/>
+          <a:lstStyle/>
+          <a:p>
+            <a:pPr lvl="0" indent="0" marL="0">
+              <a:buNone/>
+            </a:pPr>
+            <a:r>
+              <a:rPr/>
+              <a:t>This should be familiar to you now. Any questions?</a:t>
+            </a:r>
+          </a:p>
+        </p:txBody>
+      </p:sp>
+      <p:pic>
+        <p:nvPicPr>
+          <p:cNvPr descr="images/LabSession.drawio-01.png" id="0" name="Picture 1"/>
+          <p:cNvPicPr>
+            <a:picLocks noGrp="1" noChangeAspect="1"/>
+          </p:cNvPicPr>
+          <p:nvPr/>
+        </p:nvPicPr>
+        <p:blipFill>
+          <a:blip r:embed="rId2"/>
+          <a:stretch>
+            <a:fillRect/>
+          </a:stretch>
+        </p:blipFill>
+        <p:spPr bwMode="auto">
+          <a:xfrm>
+            <a:off x="5181600" y="1803400"/>
+            <a:ext cx="6172200" cy="3213100"/>
+          </a:xfrm>
+          <a:prstGeom prst="rect">
+            <a:avLst/>
+          </a:prstGeom>
+          <a:noFill/>
+          <a:ln w="9525">
+            <a:noFill/>
+            <a:headEnd/>
+            <a:tailEnd/>
+          </a:ln>
+        </p:spPr>
+      </p:pic>
+    </p:spTree>
+  </p:cSld>
+</p:sld>
+</file>
+
+<file path=ppt/slides/slide7.xml><?xml version="1.0" encoding="utf-8"?>
+<p:sld xmlns:a="http://schemas.openxmlformats.org/drawingml/2006/main" xmlns:r="http://schemas.openxmlformats.org/officeDocument/2006/relationships" xmlns:p="http://schemas.openxmlformats.org/presentationml/2006/main">
+  <p:cSld>
+    <p:spTree>
+      <p:nvGrpSpPr>
+        <p:cNvPr id="1" name=""/>
+        <p:cNvGrpSpPr/>
+        <p:nvPr/>
+      </p:nvGrpSpPr>
+      <p:grpSpPr>
+        <a:xfrm>
+          <a:off x="0" y="0"/>
+          <a:ext cx="0" cy="0"/>
+          <a:chOff x="0" y="0"/>
+          <a:chExt cx="0" cy="0"/>
+        </a:xfrm>
+      </p:grpSpPr>
+      <p:sp>
+        <p:nvSpPr>
+          <p:cNvPr id="2" name="Title 1">
+            <a:extLst>
+              <a:ext uri="{FF2B5EF4-FFF2-40B4-BE49-F238E27FC236}">
+                <a16:creationId xmlns:a16="http://schemas.microsoft.com/office/drawing/2014/main" id="{DD9B8E45-0772-954C-8D4B-6E6808DFEDED}"/>
+              </a:ext>
+            </a:extLst>
+          </p:cNvPr>
+          <p:cNvSpPr>
+            <a:spLocks noGrp="1"/>
+          </p:cNvSpPr>
+          <p:nvPr>
+            <p:ph type="title"/>
+          </p:nvPr>
+        </p:nvSpPr>
+        <p:spPr>
+          <a:xfrm>
+            <a:off x="838200" y="365129"/>
+            <a:ext cx="10002520" cy="1325563"/>
+          </a:xfrm>
+          <a:prstGeom prst="rect">
+            <a:avLst/>
+          </a:prstGeom>
+        </p:spPr>
+        <p:txBody>
+          <a:bodyPr/>
+          <a:lstStyle/>
+          <a:p>
+            <a:pPr lvl="0" indent="0" marL="0">
+              <a:buNone/>
+            </a:pPr>
+            <a:r>
+              <a:rPr/>
+              <a:t>Goals for today/this week</a:t>
+            </a:r>
+          </a:p>
+        </p:txBody>
+      </p:sp>
+      <p:sp>
+        <p:nvSpPr>
           <p:cNvPr id="3" name="Content Placeholder 2">
             <a:extLst>
               <a:ext uri="{FF2B5EF4-FFF2-40B4-BE49-F238E27FC236}">
@@ -5895,76 +6321,300 @@
           <a:lstStyle/>
           <a:p>
             <a:pPr lvl="0" indent="0" marL="0">
-              <a:spcBef>
-                <a:spcPts val="3000"/>
-              </a:spcBef>
               <a:buNone/>
             </a:pPr>
             <a:r>
-              <a:rPr b="1"/>
-              <a:t>References</a:t>
-            </a:r>
-          </a:p>
+              <a:rPr/>
+              <a:t>The immediate goals for this session, and for this week (including your independent study time)</a:t>
+            </a:r>
+          </a:p>
+          <a:p>
+            <a:pPr lvl="0"/>
+            <a:r>
+              <a:rPr/>
+              <a:t>Identify potential group members and have this confirmed by the start of Lab 2</a:t>
+            </a:r>
+          </a:p>
+          <a:p>
+            <a:pPr lvl="0"/>
+            <a:r>
+              <a:rPr/>
+              <a:t>Identify potential research topics and methodologies you might use</a:t>
+            </a:r>
+          </a:p>
+          <a:p>
+            <a:pPr lvl="0"/>
+            <a:r>
+              <a:rPr/>
+              <a:t>Clarify any questions that may persist</a:t>
+            </a:r>
+          </a:p>
+          <a:p>
+            <a:pPr lvl="0"/>
+            <a:r>
+              <a:rPr/>
+              <a:t>After today, we move on and start doing work. Any more time spent on these tasks is wasted time.</a:t>
+            </a:r>
+          </a:p>
+          <a:p>
+            <a:pPr lvl="0"/>
+            <a:r>
+              <a:rPr/>
+              <a:t>You should be almost sorted by the end of the session today, at least with a short-list of topics, methods, or potential team-mates, and prepared to use independent study time to finalise your group (for sure) or to continue thinking about topics &amp; methods.</a:t>
+            </a:r>
+          </a:p>
+          <a:p>
+            <a:pPr lvl="0"/>
+            <a:r>
+              <a:rPr/>
+              <a:t>Next week will be Literature search support for this module and the Personality Essay (Double Whammy!) and discussing Effect Sizes and how to calculate and convert them. A requirement for the week 3 Essay Submission! (Triple Whammy?)</a:t>
+            </a:r>
+          </a:p>
+        </p:txBody>
+      </p:sp>
+    </p:spTree>
+  </p:cSld>
+</p:sld>
+</file>
+
+<file path=ppt/slides/slide8.xml><?xml version="1.0" encoding="utf-8"?>
+<p:sld xmlns:a="http://schemas.openxmlformats.org/drawingml/2006/main" xmlns:r="http://schemas.openxmlformats.org/officeDocument/2006/relationships" xmlns:p="http://schemas.openxmlformats.org/presentationml/2006/main">
+  <p:cSld>
+    <p:spTree>
+      <p:nvGrpSpPr>
+        <p:cNvPr id="1" name=""/>
+        <p:cNvGrpSpPr/>
+        <p:nvPr/>
+      </p:nvGrpSpPr>
+      <p:grpSpPr>
+        <a:xfrm>
+          <a:off x="0" y="0"/>
+          <a:ext cx="0" cy="0"/>
+          <a:chOff x="0" y="0"/>
+          <a:chExt cx="0" cy="0"/>
+        </a:xfrm>
+      </p:grpSpPr>
+      <p:sp>
+        <p:nvSpPr>
+          <p:cNvPr id="2" name="Title 1">
+            <a:extLst>
+              <a:ext uri="{FF2B5EF4-FFF2-40B4-BE49-F238E27FC236}">
+                <a16:creationId xmlns:a16="http://schemas.microsoft.com/office/drawing/2014/main" id="{DD9B8E45-0772-954C-8D4B-6E6808DFEDED}"/>
+              </a:ext>
+            </a:extLst>
+          </p:cNvPr>
+          <p:cNvSpPr>
+            <a:spLocks noGrp="1"/>
+          </p:cNvSpPr>
+          <p:nvPr>
+            <p:ph type="title"/>
+          </p:nvPr>
+        </p:nvSpPr>
+        <p:spPr>
+          <a:xfrm>
+            <a:off x="838200" y="365129"/>
+            <a:ext cx="10002520" cy="1325563"/>
+          </a:xfrm>
+          <a:prstGeom prst="rect">
+            <a:avLst/>
+          </a:prstGeom>
+        </p:spPr>
+        <p:txBody>
+          <a:bodyPr/>
+          <a:lstStyle/>
           <a:p>
             <a:pPr lvl="0" indent="0" marL="0">
               <a:buNone/>
             </a:pPr>
             <a:r>
               <a:rPr/>
-              <a:t>Cohen, J. (1992). A power primer. </a:t>
-            </a:r>
-            <a:r>
-              <a:rPr i="1"/>
-              <a:t>Psychological Bulletin</a:t>
-            </a:r>
+              <a:t>The rules of the Mini-Dissertation game</a:t>
+            </a:r>
+          </a:p>
+        </p:txBody>
+      </p:sp>
+      <p:sp>
+        <p:nvSpPr>
+          <p:cNvPr id="3" name="Content Placeholder 2">
+            <a:extLst>
+              <a:ext uri="{FF2B5EF4-FFF2-40B4-BE49-F238E27FC236}">
+                <a16:creationId xmlns:a16="http://schemas.microsoft.com/office/drawing/2014/main" id="{A4EB24F9-04F1-C843-9D71-56C5C024552B}"/>
+              </a:ext>
+            </a:extLst>
+          </p:cNvPr>
+          <p:cNvSpPr>
+            <a:spLocks noGrp="1"/>
+          </p:cNvSpPr>
+          <p:nvPr>
+            <p:ph idx="1"/>
+          </p:nvPr>
+        </p:nvSpPr>
+        <p:spPr/>
+        <p:txBody>
+          <a:bodyPr/>
+          <a:lstStyle/>
+          <a:p>
+            <a:pPr lvl="0"/>
             <a:r>
               <a:rPr/>
-              <a:t>, </a:t>
-            </a:r>
-            <a:r>
-              <a:rPr i="1"/>
-              <a:t>112</a:t>
-            </a:r>
+              <a:t>Your ultimate individual Mini-Dissertation project MUST conform to the following definitive rules:</a:t>
+            </a:r>
+          </a:p>
+          <a:p>
+            <a:pPr lvl="0"/>
             <a:r>
               <a:rPr/>
-              <a:t>, 155–155. </a:t>
-            </a:r>
-            <a:r>
-              <a:rPr>
-                <a:hlinkClick r:id="rId2"/>
-              </a:rPr>
-              <a:t>https://doi.org/10.1037/0033-2909.112.1.155</a:t>
-            </a:r>
-          </a:p>
+              <a:t>2x2 ANOVA design with 2 categorical IVs (each with 2 levels) and a single continuous DV</a:t>
+            </a:r>
+          </a:p>
+          <a:p>
+            <a:pPr lvl="0"/>
+            <a:r>
+              <a:rPr/>
+              <a:t>You must obtain ethical approval and prove individual involvement in the process of application</a:t>
+            </a:r>
+          </a:p>
+          <a:p>
+            <a:pPr lvl="0"/>
+            <a:r>
+              <a:rPr/>
+              <a:t>You must make a sample size estimation / Power calculation</a:t>
+            </a:r>
+          </a:p>
+          <a:p>
+            <a:pPr lvl="0"/>
+            <a:r>
+              <a:rPr/>
+              <a:t>You must collect data online and individually contribute to group data collection efforts</a:t>
+            </a:r>
+          </a:p>
+          <a:p>
+            <a:pPr lvl="0"/>
+            <a:r>
+              <a:rPr/>
+              <a:t>Your Mini-Dissertation final submission must comprise:</a:t>
+            </a:r>
+          </a:p>
+          <a:p>
+            <a:pPr lvl="1"/>
+            <a:r>
+              <a:rPr/>
+              <a:t>a 2500 word APA7 empirical paper with a critical reflection and complete reference list</a:t>
+            </a:r>
+          </a:p>
+          <a:p>
+            <a:pPr lvl="1"/>
+            <a:r>
+              <a:rPr/>
+              <a:t>a single, cleaned, clearly-labelled data set in Excel format (or similar) - Open Data</a:t>
+            </a:r>
+          </a:p>
+          <a:p>
+            <a:pPr lvl="1"/>
+            <a:r>
+              <a:rPr/>
+              <a:t>a complete, replication-ready materials document detailing materials relevant to your submission - Open Materials</a:t>
+            </a:r>
+          </a:p>
+        </p:txBody>
+      </p:sp>
+    </p:spTree>
+  </p:cSld>
+</p:sld>
+</file>
+
+<file path=ppt/slides/slide9.xml><?xml version="1.0" encoding="utf-8"?>
+<p:sld xmlns:a="http://schemas.openxmlformats.org/drawingml/2006/main" xmlns:r="http://schemas.openxmlformats.org/officeDocument/2006/relationships" xmlns:p="http://schemas.openxmlformats.org/presentationml/2006/main">
+  <p:cSld>
+    <p:spTree>
+      <p:nvGrpSpPr>
+        <p:cNvPr id="1" name=""/>
+        <p:cNvGrpSpPr/>
+        <p:nvPr/>
+      </p:nvGrpSpPr>
+      <p:grpSpPr>
+        <a:xfrm>
+          <a:off x="0" y="0"/>
+          <a:ext cx="0" cy="0"/>
+          <a:chOff x="0" y="0"/>
+          <a:chExt cx="0" cy="0"/>
+        </a:xfrm>
+      </p:grpSpPr>
+      <p:sp>
+        <p:nvSpPr>
+          <p:cNvPr id="2" name="Title 1">
+            <a:extLst>
+              <a:ext uri="{FF2B5EF4-FFF2-40B4-BE49-F238E27FC236}">
+                <a16:creationId xmlns:a16="http://schemas.microsoft.com/office/drawing/2014/main" id="{DD9B8E45-0772-954C-8D4B-6E6808DFEDED}"/>
+              </a:ext>
+            </a:extLst>
+          </p:cNvPr>
+          <p:cNvSpPr>
+            <a:spLocks noGrp="1"/>
+          </p:cNvSpPr>
+          <p:nvPr>
+            <p:ph type="title"/>
+          </p:nvPr>
+        </p:nvSpPr>
+        <p:spPr>
+          <a:xfrm>
+            <a:off x="838200" y="365129"/>
+            <a:ext cx="10002520" cy="1325563"/>
+          </a:xfrm>
+          <a:prstGeom prst="rect">
+            <a:avLst/>
+          </a:prstGeom>
+        </p:spPr>
+        <p:txBody>
+          <a:bodyPr/>
+          <a:lstStyle/>
           <a:p>
             <a:pPr lvl="0" indent="0" marL="0">
               <a:buNone/>
             </a:pPr>
             <a:r>
               <a:rPr/>
-              <a:t>Wright, G. R. T., Berry, C. J., &amp; Bird, G. (2012). “You can’t kid a kidder”: association between production and detection of deception in an interactive deception task. u1 - wright2012. </a:t>
-            </a:r>
-            <a:r>
-              <a:rPr i="1"/>
-              <a:t>Frontiers in Human Neuroscience</a:t>
-            </a:r>
+              <a:t>Critical Proposal</a:t>
+            </a:r>
+          </a:p>
+        </p:txBody>
+      </p:sp>
+      <p:sp>
+        <p:nvSpPr>
+          <p:cNvPr id="3" name="Content Placeholder 2">
+            <a:extLst>
+              <a:ext uri="{FF2B5EF4-FFF2-40B4-BE49-F238E27FC236}">
+                <a16:creationId xmlns:a16="http://schemas.microsoft.com/office/drawing/2014/main" id="{A4EB24F9-04F1-C843-9D71-56C5C024552B}"/>
+              </a:ext>
+            </a:extLst>
+          </p:cNvPr>
+          <p:cNvSpPr>
+            <a:spLocks noGrp="1"/>
+          </p:cNvSpPr>
+          <p:nvPr>
+            <p:ph idx="1"/>
+          </p:nvPr>
+        </p:nvSpPr>
+        <p:spPr/>
+        <p:txBody>
+          <a:bodyPr/>
+          <a:lstStyle/>
+          <a:p>
+            <a:pPr lvl="0" indent="0" marL="0">
+              <a:buNone/>
+            </a:pPr>
             <a:r>
               <a:rPr/>
-              <a:t>, </a:t>
-            </a:r>
-            <a:r>
-              <a:rPr i="1"/>
-              <a:t>6</a:t>
-            </a:r>
+              <a:t>There is a detailed brief on the Critical Proposal (Due Week 5) on the VLE.</a:t>
+            </a:r>
+          </a:p>
+          <a:p>
+            <a:pPr lvl="0" indent="0" marL="0">
+              <a:buNone/>
+            </a:pPr>
             <a:r>
               <a:rPr/>
-              <a:t>, 87. </a:t>
-            </a:r>
-            <a:r>
-              <a:rPr>
-                <a:hlinkClick r:id="rId3"/>
-              </a:rPr>
-              <a:t>https://doi.org/10.3389/fnhum.2012.00087</a:t>
+              <a:t>It will be the focus of week 3 in both Lecture and Lab, but requires you to identify an empirical paper on your research topic, so more on that in due course.</a:t>
             </a:r>
           </a:p>
         </p:txBody>

--- a/_site/slides/week01/lab.pptx
+++ b/_site/slides/week01/lab.pptx
@@ -315,7 +315,7 @@
             <a:fld id="{241EB5C9-1307-BA42-ABA2-0BC069CD8E7F}" type="datetimeFigureOut">
               <a:rPr lang="en-US" smtClean="0"/>
               <a:pPr/>
-              <a:t>9/24/23</a:t>
+              <a:t>9/26/23</a:t>
             </a:fld>
             <a:endParaRPr lang="en-US" dirty="0"/>
           </a:p>
@@ -658,7 +658,7 @@
             <a:fld id="{241EB5C9-1307-BA42-ABA2-0BC069CD8E7F}" type="datetimeFigureOut">
               <a:rPr lang="en-US" smtClean="0"/>
               <a:pPr/>
-              <a:t>9/24/23</a:t>
+              <a:t>9/26/23</a:t>
             </a:fld>
             <a:endParaRPr lang="en-US"/>
           </a:p>
@@ -976,7 +976,7 @@
             <a:fld id="{241EB5C9-1307-BA42-ABA2-0BC069CD8E7F}" type="datetimeFigureOut">
               <a:rPr lang="en-US" smtClean="0"/>
               <a:pPr/>
-              <a:t>9/24/23</a:t>
+              <a:t>9/26/23</a:t>
             </a:fld>
             <a:endParaRPr lang="en-US"/>
           </a:p>
@@ -1292,7 +1292,7 @@
           <a:p>
             <a:fld id="{241EB5C9-1307-BA42-ABA2-0BC069CD8E7F}" type="datetimeFigureOut">
               <a:rPr lang="en-US" smtClean="0"/>
-              <a:t>9/24/23</a:t>
+              <a:t>9/26/23</a:t>
             </a:fld>
             <a:endParaRPr lang="en-US"/>
           </a:p>
@@ -1638,7 +1638,7 @@
             <a:fld id="{241EB5C9-1307-BA42-ABA2-0BC069CD8E7F}" type="datetimeFigureOut">
               <a:rPr lang="en-US" smtClean="0"/>
               <a:pPr/>
-              <a:t>9/24/23</a:t>
+              <a:t>9/26/23</a:t>
             </a:fld>
             <a:endParaRPr lang="en-US"/>
           </a:p>
@@ -1831,7 +1831,7 @@
           <a:p>
             <a:fld id="{241EB5C9-1307-BA42-ABA2-0BC069CD8E7F}" type="datetimeFigureOut">
               <a:rPr lang="en-US" smtClean="0"/>
-              <a:t>9/24/23</a:t>
+              <a:t>9/26/23</a:t>
             </a:fld>
             <a:endParaRPr lang="en-US"/>
           </a:p>
@@ -2349,7 +2349,7 @@
             <a:fld id="{241EB5C9-1307-BA42-ABA2-0BC069CD8E7F}" type="datetimeFigureOut">
               <a:rPr lang="en-US" smtClean="0"/>
               <a:pPr/>
-              <a:t>9/24/23</a:t>
+              <a:t>9/26/23</a:t>
             </a:fld>
             <a:endParaRPr lang="en-US"/>
           </a:p>
@@ -3002,7 +3002,7 @@
             <a:fld id="{241EB5C9-1307-BA42-ABA2-0BC069CD8E7F}" type="datetimeFigureOut">
               <a:rPr lang="en-US" smtClean="0"/>
               <a:pPr/>
-              <a:t>9/24/23</a:t>
+              <a:t>9/26/23</a:t>
             </a:fld>
             <a:endParaRPr lang="en-US"/>
           </a:p>
@@ -3206,7 +3206,7 @@
             <a:fld id="{241EB5C9-1307-BA42-ABA2-0BC069CD8E7F}" type="datetimeFigureOut">
               <a:rPr lang="en-US" smtClean="0"/>
               <a:pPr/>
-              <a:t>9/24/23</a:t>
+              <a:t>9/26/23</a:t>
             </a:fld>
             <a:endParaRPr lang="en-US"/>
           </a:p>
@@ -3379,7 +3379,7 @@
           <a:p>
             <a:fld id="{241EB5C9-1307-BA42-ABA2-0BC069CD8E7F}" type="datetimeFigureOut">
               <a:rPr lang="en-US" smtClean="0"/>
-              <a:t>9/24/23</a:t>
+              <a:t>9/26/23</a:t>
             </a:fld>
             <a:endParaRPr lang="en-US"/>
           </a:p>
@@ -3798,7 +3798,7 @@
             <a:fld id="{241EB5C9-1307-BA42-ABA2-0BC069CD8E7F}" type="datetimeFigureOut">
               <a:rPr lang="en-US" smtClean="0"/>
               <a:pPr/>
-              <a:t>9/24/23</a:t>
+              <a:t>9/26/23</a:t>
             </a:fld>
             <a:endParaRPr lang="en-US"/>
           </a:p>
@@ -4162,7 +4162,7 @@
             <a:fld id="{241EB5C9-1307-BA42-ABA2-0BC069CD8E7F}" type="datetimeFigureOut">
               <a:rPr lang="en-US" smtClean="0"/>
               <a:pPr/>
-              <a:t>9/24/23</a:t>
+              <a:t>9/26/23</a:t>
             </a:fld>
             <a:endParaRPr lang="en-US"/>
           </a:p>
@@ -4406,7 +4406,7 @@
             <a:fld id="{241EB5C9-1307-BA42-ABA2-0BC069CD8E7F}" type="datetimeFigureOut">
               <a:rPr lang="en-US" smtClean="0"/>
               <a:pPr/>
-              <a:t>9/24/23</a:t>
+              <a:t>9/26/23</a:t>
             </a:fld>
             <a:endParaRPr lang="en-US"/>
           </a:p>
@@ -6485,7 +6485,7 @@
             <a:pPr lvl="0"/>
             <a:r>
               <a:rPr/>
-              <a:t>You must collect data online and individually contribute to group data collection efforts</a:t>
+              <a:t>You must individually and collaboratively contribute to group data collection efforts</a:t>
             </a:r>
           </a:p>
           <a:p>
